--- a/Document/Presentation/IMS_20160407_Presentation.pptx
+++ b/Document/Presentation/IMS_20160407_Presentation.pptx
@@ -300,7 +300,7 @@
           <a:p>
             <a:fld id="{735A0D2A-3C89-41C8-9F02-A8417E9FC46B}" type="datetimeFigureOut">
               <a:rPr lang="en-US" smtClean="0"/>
-              <a:t>4/7/2016</a:t>
+              <a:t>08-Apr-16</a:t>
             </a:fld>
             <a:endParaRPr lang="en-US"/>
           </a:p>
@@ -470,7 +470,7 @@
           <a:p>
             <a:fld id="{735A0D2A-3C89-41C8-9F02-A8417E9FC46B}" type="datetimeFigureOut">
               <a:rPr lang="en-US" smtClean="0"/>
-              <a:t>4/7/2016</a:t>
+              <a:t>08-Apr-16</a:t>
             </a:fld>
             <a:endParaRPr lang="en-US"/>
           </a:p>
@@ -650,7 +650,7 @@
           <a:p>
             <a:fld id="{735A0D2A-3C89-41C8-9F02-A8417E9FC46B}" type="datetimeFigureOut">
               <a:rPr lang="en-US" smtClean="0"/>
-              <a:t>4/7/2016</a:t>
+              <a:t>08-Apr-16</a:t>
             </a:fld>
             <a:endParaRPr lang="en-US"/>
           </a:p>
@@ -820,7 +820,7 @@
           <a:p>
             <a:fld id="{735A0D2A-3C89-41C8-9F02-A8417E9FC46B}" type="datetimeFigureOut">
               <a:rPr lang="en-US" smtClean="0"/>
-              <a:t>4/7/2016</a:t>
+              <a:t>08-Apr-16</a:t>
             </a:fld>
             <a:endParaRPr lang="en-US"/>
           </a:p>
@@ -1066,7 +1066,7 @@
           <a:p>
             <a:fld id="{735A0D2A-3C89-41C8-9F02-A8417E9FC46B}" type="datetimeFigureOut">
               <a:rPr lang="en-US" smtClean="0"/>
-              <a:t>4/7/2016</a:t>
+              <a:t>08-Apr-16</a:t>
             </a:fld>
             <a:endParaRPr lang="en-US"/>
           </a:p>
@@ -1298,7 +1298,7 @@
           <a:p>
             <a:fld id="{735A0D2A-3C89-41C8-9F02-A8417E9FC46B}" type="datetimeFigureOut">
               <a:rPr lang="en-US" smtClean="0"/>
-              <a:t>4/7/2016</a:t>
+              <a:t>08-Apr-16</a:t>
             </a:fld>
             <a:endParaRPr lang="en-US"/>
           </a:p>
@@ -1665,7 +1665,7 @@
           <a:p>
             <a:fld id="{735A0D2A-3C89-41C8-9F02-A8417E9FC46B}" type="datetimeFigureOut">
               <a:rPr lang="en-US" smtClean="0"/>
-              <a:t>4/7/2016</a:t>
+              <a:t>08-Apr-16</a:t>
             </a:fld>
             <a:endParaRPr lang="en-US"/>
           </a:p>
@@ -1783,7 +1783,7 @@
           <a:p>
             <a:fld id="{735A0D2A-3C89-41C8-9F02-A8417E9FC46B}" type="datetimeFigureOut">
               <a:rPr lang="en-US" smtClean="0"/>
-              <a:t>4/7/2016</a:t>
+              <a:t>08-Apr-16</a:t>
             </a:fld>
             <a:endParaRPr lang="en-US"/>
           </a:p>
@@ -1878,7 +1878,7 @@
           <a:p>
             <a:fld id="{735A0D2A-3C89-41C8-9F02-A8417E9FC46B}" type="datetimeFigureOut">
               <a:rPr lang="en-US" smtClean="0"/>
-              <a:t>4/7/2016</a:t>
+              <a:t>08-Apr-16</a:t>
             </a:fld>
             <a:endParaRPr lang="en-US"/>
           </a:p>
@@ -2155,7 +2155,7 @@
           <a:p>
             <a:fld id="{735A0D2A-3C89-41C8-9F02-A8417E9FC46B}" type="datetimeFigureOut">
               <a:rPr lang="en-US" smtClean="0"/>
-              <a:t>4/7/2016</a:t>
+              <a:t>08-Apr-16</a:t>
             </a:fld>
             <a:endParaRPr lang="en-US"/>
           </a:p>
@@ -2408,7 +2408,7 @@
           <a:p>
             <a:fld id="{735A0D2A-3C89-41C8-9F02-A8417E9FC46B}" type="datetimeFigureOut">
               <a:rPr lang="en-US" smtClean="0"/>
-              <a:t>4/7/2016</a:t>
+              <a:t>08-Apr-16</a:t>
             </a:fld>
             <a:endParaRPr lang="en-US"/>
           </a:p>
@@ -2621,7 +2621,7 @@
           <a:p>
             <a:fld id="{735A0D2A-3C89-41C8-9F02-A8417E9FC46B}" type="datetimeFigureOut">
               <a:rPr lang="en-US" smtClean="0"/>
-              <a:t>4/7/2016</a:t>
+              <a:t>08-Apr-16</a:t>
             </a:fld>
             <a:endParaRPr lang="en-US"/>
           </a:p>
@@ -23233,9 +23233,6 @@
               </a:rPr>
               <a:t>Demonstration</a:t>
             </a:r>
-            <a:endParaRPr lang="en-US" sz="3600" b="1" dirty="0" smtClean="0">
-              <a:latin typeface="Cambria" panose="02040503050406030204" pitchFamily="18" charset="0"/>
-            </a:endParaRPr>
           </a:p>
           <a:p>
             <a:pPr marL="457200" indent="-457200" algn="l">
@@ -25835,20 +25832,7 @@
                 </a:effectLst>
                 <a:latin typeface="Cambria" panose="02040503050406030204" pitchFamily="18" charset="0"/>
               </a:rPr>
-              <a:t>Task </a:t>
-            </a:r>
-            <a:r>
-              <a:rPr lang="en-US" sz="2400" b="1" dirty="0" smtClean="0">
-                <a:effectLst>
-                  <a:outerShdw blurRad="38100" dist="38100" dir="2700000" algn="tl">
-                    <a:srgbClr val="000000">
-                      <a:alpha val="43137"/>
-                    </a:srgbClr>
-                  </a:outerShdw>
-                </a:effectLst>
-                <a:latin typeface="Cambria" panose="02040503050406030204" pitchFamily="18" charset="0"/>
-              </a:rPr>
-              <a:t>Status</a:t>
+              <a:t>Task Status</a:t>
             </a:r>
             <a:endParaRPr lang="en-US" sz="2400" b="1" dirty="0">
               <a:effectLst>
@@ -29506,7 +29490,6 @@
               <a:rPr lang="en-US" dirty="0"/>
               <a:t>5</a:t>
             </a:r>
-            <a:endParaRPr lang="en-US" dirty="0"/>
           </a:p>
         </p:txBody>
       </p:sp>
@@ -29747,16 +29730,7 @@
                 </a:solidFill>
                 <a:latin typeface="Cambria" panose="02040503050406030204" pitchFamily="18" charset="0"/>
               </a:rPr>
-              <a:t>i</a:t>
-            </a:r>
-            <a:r>
-              <a:rPr lang="en-US" sz="2400" dirty="0" smtClean="0">
-                <a:solidFill>
-                  <a:schemeClr val="tx1"/>
-                </a:solidFill>
-                <a:latin typeface="Cambria" panose="02040503050406030204" pitchFamily="18" charset="0"/>
-              </a:rPr>
-              <a:t>f(</a:t>
+              <a:t>if(</a:t>
             </a:r>
             <a:r>
               <a:rPr lang="en-US" sz="2400" dirty="0" err="1" smtClean="0">
@@ -31642,20 +31616,7 @@
                 </a:effectLst>
                 <a:latin typeface="Cambria" panose="02040503050406030204" pitchFamily="18" charset="0"/>
               </a:rPr>
-              <a:t>IP </a:t>
-            </a:r>
-            <a:r>
-              <a:rPr lang="en-US" sz="2400" b="1" dirty="0" smtClean="0">
-                <a:effectLst>
-                  <a:outerShdw blurRad="38100" dist="38100" dir="2700000" algn="tl">
-                    <a:srgbClr val="000000">
-                      <a:alpha val="43137"/>
-                    </a:srgbClr>
-                  </a:outerShdw>
-                </a:effectLst>
-                <a:latin typeface="Cambria" panose="02040503050406030204" pitchFamily="18" charset="0"/>
-              </a:rPr>
-              <a:t>Address Status</a:t>
+              <a:t>IP Address Status</a:t>
             </a:r>
             <a:endParaRPr lang="en-US" sz="2400" b="1" dirty="0">
               <a:effectLst>
@@ -47617,7 +47578,19 @@
               <a:rPr lang="en-US" sz="2800" dirty="0">
                 <a:latin typeface="Cambria" panose="02040503050406030204" pitchFamily="18" charset="0"/>
               </a:rPr>
-              <a:t>In all case of </a:t>
+              <a:t>In all </a:t>
+            </a:r>
+            <a:r>
+              <a:rPr lang="en-US" sz="2800" dirty="0" smtClean="0">
+                <a:latin typeface="Cambria" panose="02040503050406030204" pitchFamily="18" charset="0"/>
+              </a:rPr>
+              <a:t>cases </a:t>
+            </a:r>
+            <a:r>
+              <a:rPr lang="en-US" sz="2800" dirty="0">
+                <a:latin typeface="Cambria" panose="02040503050406030204" pitchFamily="18" charset="0"/>
+              </a:rPr>
+              <a:t>of </a:t>
             </a:r>
             <a:r>
               <a:rPr lang="en-US" sz="2800" dirty="0" err="1">
@@ -47725,7 +47698,25 @@
               <a:rPr lang="en-US" sz="2800" dirty="0">
                 <a:latin typeface="Cambria" panose="02040503050406030204" pitchFamily="18" charset="0"/>
               </a:rPr>
-              <a:t> = i*Base number (with 0&lt; I &lt; number of range)</a:t>
+              <a:t> = i*Base number (with 0&lt; </a:t>
+            </a:r>
+            <a:r>
+              <a:rPr lang="en-US" sz="2800" dirty="0" err="1" smtClean="0">
+                <a:latin typeface="Cambria" panose="02040503050406030204" pitchFamily="18" charset="0"/>
+              </a:rPr>
+              <a:t>i</a:t>
+            </a:r>
+            <a:r>
+              <a:rPr lang="en-US" sz="2800" dirty="0" smtClean="0">
+                <a:latin typeface="Cambria" panose="02040503050406030204" pitchFamily="18" charset="0"/>
+              </a:rPr>
+              <a:t> </a:t>
+            </a:r>
+            <a:r>
+              <a:rPr lang="en-US" sz="2800" dirty="0">
+                <a:latin typeface="Cambria" panose="02040503050406030204" pitchFamily="18" charset="0"/>
+              </a:rPr>
+              <a:t>&lt; number of range)</a:t>
             </a:r>
           </a:p>
           <a:p>
@@ -50766,9 +50757,6 @@
               </a:rPr>
               <a:t>IMS</a:t>
             </a:r>
-            <a:endParaRPr lang="en-US" sz="6600" b="1" dirty="0">
-              <a:latin typeface="Cambria" panose="02040503050406030204" pitchFamily="18" charset="0"/>
-            </a:endParaRPr>
           </a:p>
         </p:txBody>
       </p:sp>
@@ -51354,13 +51342,7 @@
               <a:rPr lang="en-US" sz="1600" dirty="0" smtClean="0">
                 <a:latin typeface="Cambria" panose="02040503050406030204" pitchFamily="18" charset="0"/>
               </a:rPr>
-              <a:t>Response </a:t>
-            </a:r>
-            <a:r>
-              <a:rPr lang="en-US" sz="1600" dirty="0" smtClean="0">
-                <a:latin typeface="Cambria" panose="02040503050406030204" pitchFamily="18" charset="0"/>
-              </a:rPr>
-              <a:t>Request</a:t>
+              <a:t>Response Request</a:t>
             </a:r>
             <a:endParaRPr lang="en-US" sz="1600" dirty="0">
               <a:latin typeface="Cambria" panose="02040503050406030204" pitchFamily="18" charset="0"/>
